--- a/section_slides/week1_section_slides.pptx
+++ b/section_slides/week1_section_slides.pptx
@@ -15427,56 +15427,6 @@
       </p:grpSpPr>
       <p:sp>
         <p:nvSpPr>
-          <p:cNvPr id="2" name="object 2"/>
-          <p:cNvSpPr txBox="1"/>
-          <p:nvPr/>
-        </p:nvSpPr>
-        <p:spPr>
-          <a:xfrm>
-            <a:off x="6400800" y="6589522"/>
-            <a:ext cx="2946655" cy="166712"/>
-          </a:xfrm>
-          <a:prstGeom prst="rect">
-            <a:avLst/>
-          </a:prstGeom>
-        </p:spPr>
-        <p:txBody>
-          <a:bodyPr vert="horz" wrap="square" lIns="0" tIns="12700" rIns="0" bIns="0" rtlCol="0">
-            <a:spAutoFit/>
-          </a:bodyPr>
-          <a:lstStyle/>
-          <a:p>
-            <a:pPr marL="469900">
-              <a:spcBef>
-                <a:spcPts val="450"/>
-              </a:spcBef>
-              <a:buClr>
-                <a:srgbClr val="99CC00"/>
-              </a:buClr>
-              <a:buSzPct val="150000"/>
-              <a:tabLst>
-                <a:tab pos="1155700" algn="l"/>
-              </a:tabLst>
-            </a:pPr>
-            <a:r>
-              <a:rPr lang="en-US" sz="1000" spc="-5" dirty="0">
-                <a:solidFill>
-                  <a:srgbClr val="003399"/>
-                </a:solidFill>
-                <a:latin typeface="Arial"/>
-                <a:cs typeface="Arial"/>
-              </a:rPr>
-              <a:t>https://mikejohnson51.github.io/geog178</a:t>
-            </a:r>
-            <a:endParaRPr lang="en-US" sz="1000" dirty="0">
-              <a:latin typeface="Arial"/>
-              <a:cs typeface="Arial"/>
-            </a:endParaRPr>
-          </a:p>
-        </p:txBody>
-      </p:sp>
-      <p:sp>
-        <p:nvSpPr>
           <p:cNvPr id="3" name="object 3"/>
           <p:cNvSpPr/>
           <p:nvPr/>
@@ -16111,8 +16061,8 @@
         </p:nvSpPr>
         <p:spPr>
           <a:xfrm>
-            <a:off x="3581400" y="927782"/>
-            <a:ext cx="4909820" cy="1111885"/>
+            <a:off x="3581400" y="309347"/>
+            <a:ext cx="4909820" cy="3052118"/>
           </a:xfrm>
           <a:prstGeom prst="rect">
             <a:avLst/>
@@ -16305,7 +16255,161 @@
               </a:rPr>
               <a:t>3620</a:t>
             </a:r>
-            <a:endParaRPr sz="1800" dirty="0">
+            <a:endParaRPr lang="en-US" dirty="0">
+              <a:solidFill>
+                <a:srgbClr val="003399"/>
+              </a:solidFill>
+              <a:latin typeface="Arial"/>
+              <a:cs typeface="Arial"/>
+            </a:endParaRPr>
+          </a:p>
+          <a:p>
+            <a:pPr marL="698500" lvl="1" indent="-228600">
+              <a:spcBef>
+                <a:spcPts val="439"/>
+              </a:spcBef>
+              <a:buClr>
+                <a:srgbClr val="99CC00"/>
+              </a:buClr>
+              <a:buSzPct val="150000"/>
+              <a:buChar char="•"/>
+              <a:tabLst>
+                <a:tab pos="1155700" algn="l"/>
+              </a:tabLst>
+            </a:pPr>
+            <a:r>
+              <a:rPr lang="en-US" dirty="0">
+                <a:solidFill>
+                  <a:srgbClr val="003399"/>
+                </a:solidFill>
+                <a:latin typeface="Arial"/>
+                <a:cs typeface="Arial"/>
+              </a:rPr>
+              <a:t>Office hours:</a:t>
+            </a:r>
+          </a:p>
+          <a:p>
+            <a:pPr marL="1155700" lvl="2" indent="-228600">
+              <a:spcBef>
+                <a:spcPts val="439"/>
+              </a:spcBef>
+              <a:buClr>
+                <a:srgbClr val="99CC00"/>
+              </a:buClr>
+              <a:buSzPct val="150000"/>
+              <a:buChar char="•"/>
+              <a:tabLst>
+                <a:tab pos="1155700" algn="l"/>
+              </a:tabLst>
+            </a:pPr>
+            <a:r>
+              <a:rPr lang="en-US" dirty="0">
+                <a:solidFill>
+                  <a:srgbClr val="003399"/>
+                </a:solidFill>
+                <a:latin typeface="Arial"/>
+                <a:cs typeface="Arial"/>
+              </a:rPr>
+              <a:t>Ellison 4830</a:t>
+            </a:r>
+          </a:p>
+          <a:p>
+            <a:pPr marL="1155700" lvl="2" indent="-228600">
+              <a:spcBef>
+                <a:spcPts val="439"/>
+              </a:spcBef>
+              <a:buClr>
+                <a:srgbClr val="99CC00"/>
+              </a:buClr>
+              <a:buSzPct val="150000"/>
+              <a:buChar char="•"/>
+              <a:tabLst>
+                <a:tab pos="1155700" algn="l"/>
+              </a:tabLst>
+            </a:pPr>
+            <a:r>
+              <a:rPr lang="en-US" dirty="0">
+                <a:solidFill>
+                  <a:srgbClr val="003399"/>
+                </a:solidFill>
+                <a:latin typeface="Arial"/>
+                <a:cs typeface="Arial"/>
+              </a:rPr>
+              <a:t>Monday 10:30am – 11:30am</a:t>
+            </a:r>
+          </a:p>
+          <a:p>
+            <a:pPr marL="1155700" lvl="2" indent="-228600">
+              <a:spcBef>
+                <a:spcPts val="439"/>
+              </a:spcBef>
+              <a:buClr>
+                <a:srgbClr val="99CC00"/>
+              </a:buClr>
+              <a:buSzPct val="150000"/>
+              <a:buChar char="•"/>
+              <a:tabLst>
+                <a:tab pos="1155700" algn="l"/>
+              </a:tabLst>
+            </a:pPr>
+            <a:r>
+              <a:rPr lang="en-US" dirty="0">
+                <a:solidFill>
+                  <a:srgbClr val="003399"/>
+                </a:solidFill>
+                <a:latin typeface="Arial"/>
+                <a:cs typeface="Arial"/>
+                <a:hlinkClick r:id="rId2"/>
+              </a:rPr>
+              <a:t>jano@ucsb.edu</a:t>
+            </a:r>
+            <a:endParaRPr lang="en-US" dirty="0">
+              <a:solidFill>
+                <a:srgbClr val="003399"/>
+              </a:solidFill>
+              <a:latin typeface="Arial"/>
+              <a:cs typeface="Arial"/>
+            </a:endParaRPr>
+          </a:p>
+          <a:p>
+            <a:pPr marL="927100" lvl="2">
+              <a:spcBef>
+                <a:spcPts val="439"/>
+              </a:spcBef>
+              <a:buClr>
+                <a:srgbClr val="99CC00"/>
+              </a:buClr>
+              <a:buSzPct val="150000"/>
+              <a:tabLst>
+                <a:tab pos="1155700" algn="l"/>
+              </a:tabLst>
+            </a:pPr>
+            <a:endParaRPr lang="en-US" dirty="0">
+              <a:solidFill>
+                <a:srgbClr val="003399"/>
+              </a:solidFill>
+              <a:latin typeface="Arial"/>
+              <a:cs typeface="Arial"/>
+            </a:endParaRPr>
+          </a:p>
+          <a:p>
+            <a:pPr marL="698500" lvl="1" indent="-228600">
+              <a:spcBef>
+                <a:spcPts val="439"/>
+              </a:spcBef>
+              <a:buClr>
+                <a:srgbClr val="99CC00"/>
+              </a:buClr>
+              <a:buSzPct val="150000"/>
+              <a:buChar char="•"/>
+              <a:tabLst>
+                <a:tab pos="1155700" algn="l"/>
+              </a:tabLst>
+            </a:pPr>
+            <a:endParaRPr lang="en-US" dirty="0">
+              <a:solidFill>
+                <a:srgbClr val="003399"/>
+              </a:solidFill>
               <a:latin typeface="Arial"/>
               <a:cs typeface="Arial"/>
             </a:endParaRPr>
@@ -16320,8 +16424,8 @@
         </p:nvSpPr>
         <p:spPr>
           <a:xfrm>
-            <a:off x="3581400" y="2465392"/>
-            <a:ext cx="5486400" cy="3249608"/>
+            <a:off x="3641501" y="2943531"/>
+            <a:ext cx="5486400" cy="3590727"/>
           </a:xfrm>
           <a:prstGeom prst="rect">
             <a:avLst/>
@@ -16645,6 +16749,39 @@
               </a:rPr>
               <a:t>1715</a:t>
             </a:r>
+            <a:endParaRPr lang="en-US" spc="-5" dirty="0">
+              <a:solidFill>
+                <a:srgbClr val="003399"/>
+              </a:solidFill>
+              <a:latin typeface="Arial"/>
+              <a:cs typeface="Arial"/>
+            </a:endParaRPr>
+          </a:p>
+          <a:p>
+            <a:pPr marL="1212850" lvl="2" indent="-285750">
+              <a:spcBef>
+                <a:spcPts val="470"/>
+              </a:spcBef>
+              <a:buClr>
+                <a:srgbClr val="99CC00"/>
+              </a:buClr>
+              <a:buSzPct val="150000"/>
+              <a:buChar char="•"/>
+              <a:tabLst>
+                <a:tab pos="755650" algn="l"/>
+                <a:tab pos="4157345" algn="l"/>
+              </a:tabLst>
+            </a:pPr>
+            <a:r>
+              <a:rPr lang="en-US" spc="-5" dirty="0">
+                <a:solidFill>
+                  <a:srgbClr val="003399"/>
+                </a:solidFill>
+                <a:latin typeface="Arial"/>
+                <a:cs typeface="Arial"/>
+              </a:rPr>
+              <a:t>Thursday 3:00-5:00 pm</a:t>
+            </a:r>
             <a:endParaRPr dirty="0">
               <a:latin typeface="Arial"/>
               <a:cs typeface="Arial"/>
@@ -16679,7 +16816,7 @@
                 </a:uFill>
                 <a:latin typeface="Arial"/>
                 <a:cs typeface="Arial"/>
-                <a:hlinkClick r:id="rId2"/>
+                <a:hlinkClick r:id="rId3"/>
               </a:rPr>
               <a:t>jmj00@ucsb.edu</a:t>
             </a:r>
@@ -16722,14 +16859,14 @@
               </a:tabLst>
             </a:pPr>
             <a:r>
-              <a:rPr sz="2400" spc="-5" dirty="0">
-                <a:solidFill>
-                  <a:srgbClr val="003399"/>
-                </a:solidFill>
-                <a:latin typeface="Arial"/>
-                <a:cs typeface="Arial"/>
-              </a:rPr>
-              <a:t>Class</a:t>
+              <a:rPr lang="en-US" sz="2400" spc="-5" dirty="0">
+                <a:solidFill>
+                  <a:srgbClr val="003399"/>
+                </a:solidFill>
+                <a:latin typeface="Arial"/>
+                <a:cs typeface="Arial"/>
+              </a:rPr>
+              <a:t>Section</a:t>
             </a:r>
             <a:r>
               <a:rPr sz="2400" spc="5" dirty="0">
@@ -23342,7 +23479,7 @@
         </p:nvSpPr>
         <p:spPr>
           <a:xfrm>
-            <a:off x="3561916" y="4561164"/>
+            <a:off x="3548346" y="4876800"/>
             <a:ext cx="5612434" cy="2308324"/>
           </a:xfrm>
           <a:prstGeom prst="rect">
@@ -23399,41 +23536,6 @@
           </a:p>
         </p:txBody>
       </p:sp>
-      <p:pic>
-        <p:nvPicPr>
-          <p:cNvPr id="9" name="Picture 8">
-            <a:extLst>
-              <a:ext uri="{FF2B5EF4-FFF2-40B4-BE49-F238E27FC236}">
-                <a16:creationId xmlns:a16="http://schemas.microsoft.com/office/drawing/2014/main" id="{D5A132D1-3F90-3D4C-BDA2-E527DDCFA0BA}"/>
-              </a:ext>
-            </a:extLst>
-          </p:cNvPr>
-          <p:cNvPicPr>
-            <a:picLocks noChangeAspect="1"/>
-          </p:cNvPicPr>
-          <p:nvPr/>
-        </p:nvPicPr>
-        <p:blipFill rotWithShape="1">
-          <a:blip r:embed="rId3">
-            <a:extLst>
-              <a:ext uri="{28A0092B-C50C-407E-A947-70E740481C1C}">
-                <a14:useLocalDpi xmlns:a14="http://schemas.microsoft.com/office/drawing/2010/main" val="0"/>
-              </a:ext>
-            </a:extLst>
-          </a:blip>
-          <a:srcRect l="53910" t="-90" r="5484" b="95452"/>
-          <a:stretch/>
-        </p:blipFill>
-        <p:spPr>
-          <a:xfrm>
-            <a:off x="3815046" y="6279520"/>
-            <a:ext cx="3957354" cy="489932"/>
-          </a:xfrm>
-          <a:prstGeom prst="rect">
-            <a:avLst/>
-          </a:prstGeom>
-        </p:spPr>
-      </p:pic>
     </p:spTree>
     <p:extLst>
       <p:ext uri="{BB962C8B-B14F-4D97-AF65-F5344CB8AC3E}">
